--- a/CSE216-S19/slides/PPT/CSE216_Lec0.pptx
+++ b/CSE216-S19/slides/PPT/CSE216_Lec0.pptx
@@ -226,7 +226,7 @@
           <a:p>
             <a:fld id="{672A025E-C960-4AB6-8E8E-0EE6D13ED4ED}" type="datetimeFigureOut">
               <a:rPr lang="en-US" smtClean="0"/>
-              <a:t>2/21/2019</a:t>
+              <a:t>2/24/2019</a:t>
             </a:fld>
             <a:endParaRPr lang="en-US"/>
           </a:p>
@@ -719,7 +719,7 @@
           <a:p>
             <a:fld id="{C9450245-6F3E-4E49-A01A-33C72AF40E97}" type="datetime1">
               <a:rPr lang="en-US" smtClean="0"/>
-              <a:t>2/21/2019</a:t>
+              <a:t>2/24/2019</a:t>
             </a:fld>
             <a:endParaRPr lang="en-US" dirty="0"/>
           </a:p>
@@ -938,7 +938,7 @@
           <a:p>
             <a:fld id="{9D941E2E-9E30-4203-ABFC-10F381BF2A12}" type="datetime1">
               <a:rPr lang="en-US" smtClean="0"/>
-              <a:t>2/22/2019</a:t>
+              <a:t>2/24/2019</a:t>
             </a:fld>
             <a:endParaRPr lang="en-US"/>
           </a:p>
@@ -1206,7 +1206,7 @@
           <a:p>
             <a:fld id="{9D941E2E-9E30-4203-ABFC-10F381BF2A12}" type="datetime1">
               <a:rPr lang="en-US" smtClean="0"/>
-              <a:t>2/22/2019</a:t>
+              <a:t>2/24/2019</a:t>
             </a:fld>
             <a:endParaRPr lang="en-US"/>
           </a:p>
@@ -1388,7 +1388,7 @@
           <a:p>
             <a:fld id="{9D941E2E-9E30-4203-ABFC-10F381BF2A12}" type="datetime1">
               <a:rPr lang="en-US" smtClean="0"/>
-              <a:t>2/22/2019</a:t>
+              <a:t>2/24/2019</a:t>
             </a:fld>
             <a:endParaRPr lang="en-US"/>
           </a:p>
@@ -1743,7 +1743,7 @@
           <a:p>
             <a:fld id="{51173CD0-6D6C-4FEA-9A98-7F5E7DAD237A}" type="datetime1">
               <a:rPr lang="en-US" smtClean="0"/>
-              <a:t>2/22/2019</a:t>
+              <a:t>2/24/2019</a:t>
             </a:fld>
             <a:endParaRPr lang="en-US"/>
           </a:p>
@@ -2029,7 +2029,7 @@
           <a:p>
             <a:fld id="{9D941E2E-9E30-4203-ABFC-10F381BF2A12}" type="datetime1">
               <a:rPr lang="en-US" smtClean="0"/>
-              <a:t>2/22/2019</a:t>
+              <a:t>2/24/2019</a:t>
             </a:fld>
             <a:endParaRPr lang="en-US"/>
           </a:p>
@@ -2420,7 +2420,7 @@
           <a:p>
             <a:fld id="{9D941E2E-9E30-4203-ABFC-10F381BF2A12}" type="datetime1">
               <a:rPr lang="en-US" smtClean="0"/>
-              <a:t>2/22/2019</a:t>
+              <a:t>2/24/2019</a:t>
             </a:fld>
             <a:endParaRPr lang="en-US"/>
           </a:p>
@@ -2550,7 +2550,7 @@
           <a:p>
             <a:fld id="{4C94B876-920C-40A7-A429-70EA2E711116}" type="datetime1">
               <a:rPr lang="en-US" smtClean="0"/>
-              <a:t>2/22/2019</a:t>
+              <a:t>2/24/2019</a:t>
             </a:fld>
             <a:endParaRPr lang="en-US"/>
           </a:p>
@@ -2732,7 +2732,7 @@
           <a:p>
             <a:fld id="{687BB759-A4D2-4F8B-AEBE-C918CFB723A5}" type="datetime1">
               <a:rPr lang="en-US" smtClean="0"/>
-              <a:t>2/22/2019</a:t>
+              <a:t>2/24/2019</a:t>
             </a:fld>
             <a:endParaRPr lang="en-US"/>
           </a:p>
@@ -3097,7 +3097,7 @@
           <a:p>
             <a:fld id="{9D941E2E-9E30-4203-ABFC-10F381BF2A12}" type="datetime1">
               <a:rPr lang="en-US" smtClean="0"/>
-              <a:t>2/22/2019</a:t>
+              <a:t>2/24/2019</a:t>
             </a:fld>
             <a:endParaRPr lang="en-US"/>
           </a:p>
@@ -3491,7 +3491,7 @@
           <a:p>
             <a:fld id="{B7BE5A15-D7AD-40D4-96ED-A55891BF6EC5}" type="datetime1">
               <a:rPr lang="en-US" smtClean="0"/>
-              <a:t>2/22/2019</a:t>
+              <a:t>2/24/2019</a:t>
             </a:fld>
             <a:endParaRPr lang="en-US"/>
           </a:p>
@@ -3789,7 +3789,7 @@
           <a:p>
             <a:fld id="{9D941E2E-9E30-4203-ABFC-10F381BF2A12}" type="datetime1">
               <a:rPr lang="en-US" smtClean="0"/>
-              <a:t>2/22/2019</a:t>
+              <a:t>2/24/2019</a:t>
             </a:fld>
             <a:endParaRPr lang="en-US"/>
           </a:p>
@@ -7668,19 +7668,19 @@
         </p:nvSpPr>
         <p:spPr>
           <a:xfrm>
-            <a:off x="344300" y="1730188"/>
+            <a:off x="344300" y="1791148"/>
             <a:ext cx="3371173" cy="4625787"/>
           </a:xfrm>
         </p:spPr>
         <p:txBody>
           <a:bodyPr>
-            <a:normAutofit fontScale="77500" lnSpcReduction="20000"/>
+            <a:normAutofit fontScale="92500" lnSpcReduction="10000"/>
           </a:bodyPr>
           <a:lstStyle/>
           <a:p>
             <a:r>
               <a:rPr lang="en-US" dirty="0"/>
-              <a:t>Programming Paradigms [2 weeks]</a:t>
+              <a:t>Programming Paradigms</a:t>
             </a:r>
           </a:p>
           <a:p>
@@ -7714,69 +7714,55 @@
           <a:p>
             <a:r>
               <a:rPr lang="en-US" dirty="0"/>
-              <a:t>Functional problem-solving using a high-level functional language [4 weeks]</a:t>
+              <a:t>Functional problem-solving using a high-level functional language </a:t>
             </a:r>
           </a:p>
           <a:p>
             <a:pPr lvl="1"/>
             <a:r>
               <a:rPr lang="en-US" dirty="0"/>
-              <a:t>Program and data abstractions</a:t>
+              <a:t>Recursion</a:t>
             </a:r>
           </a:p>
           <a:p>
             <a:pPr lvl="1"/>
             <a:r>
               <a:rPr lang="en-US" dirty="0"/>
-              <a:t>Language elements: data types, scope and binding, procedures and parameters</a:t>
+              <a:t>Higher-order procedures</a:t>
             </a:r>
           </a:p>
           <a:p>
             <a:pPr lvl="1"/>
             <a:r>
               <a:rPr lang="en-US" dirty="0"/>
-              <a:t>Recursion</a:t>
+              <a:t>Streams and Lazy Evaluation</a:t>
             </a:r>
           </a:p>
           <a:p>
             <a:pPr lvl="1"/>
             <a:r>
               <a:rPr lang="en-US" dirty="0"/>
-              <a:t>Higher-order procedures</a:t>
+              <a:t>Modularity</a:t>
+            </a:r>
+          </a:p>
+          <a:p>
+            <a:r>
+              <a:rPr lang="en-US" dirty="0"/>
+              <a:t>Cross-cutting concepts</a:t>
             </a:r>
           </a:p>
           <a:p>
             <a:pPr lvl="1"/>
             <a:r>
               <a:rPr lang="en-US" dirty="0"/>
-              <a:t>Streams and Lazy Evaluation</a:t>
+              <a:t>Unit testing and Integration testing</a:t>
             </a:r>
           </a:p>
           <a:p>
             <a:pPr lvl="1"/>
             <a:r>
               <a:rPr lang="en-US" dirty="0"/>
-              <a:t>Modularity</a:t>
-            </a:r>
-          </a:p>
-          <a:p>
-            <a:r>
-              <a:rPr lang="en-US" dirty="0"/>
-              <a:t>Object-oriented design and programming [3 weeks]</a:t>
-            </a:r>
-          </a:p>
-          <a:p>
-            <a:pPr lvl="1"/>
-            <a:r>
-              <a:rPr lang="en-US" dirty="0"/>
-              <a:t>Decomposition into objects carrying state and having behavior</a:t>
-            </a:r>
-          </a:p>
-          <a:p>
-            <a:pPr lvl="1"/>
-            <a:r>
-              <a:rPr lang="en-US" dirty="0"/>
-              <a:t>Abstraction, Encapsulation and Information Hiding</a:t>
+              <a:t>Multi-paradigm programming</a:t>
             </a:r>
           </a:p>
         </p:txBody>
@@ -7871,7 +7857,7 @@
         </p:spPr>
         <p:txBody>
           <a:bodyPr vert="horz" lIns="0" tIns="45720" rIns="0" bIns="45720" rtlCol="0">
-            <a:normAutofit fontScale="92500" lnSpcReduction="20000"/>
+            <a:normAutofit/>
           </a:bodyPr>
           <a:lstStyle>
             <a:lvl1pPr marL="91440" indent="-91440" algn="l" defTabSz="914400" rtl="0" eaLnBrk="1" latinLnBrk="0" hangingPunct="1">
@@ -8122,14 +8108,14 @@
           <a:p>
             <a:r>
               <a:rPr lang="en-US" dirty="0"/>
-              <a:t>Object-oriented Design and Implementation</a:t>
+              <a:t>Object-oriented Design and Programming</a:t>
             </a:r>
           </a:p>
           <a:p>
             <a:pPr lvl="1"/>
             <a:r>
               <a:rPr lang="en-US" dirty="0"/>
-              <a:t>Class-hierarchy for modeling data</a:t>
+              <a:t>Abstraction and encapsulation</a:t>
             </a:r>
           </a:p>
           <a:p>
@@ -8143,7 +8129,7 @@
             <a:pPr lvl="1"/>
             <a:r>
               <a:rPr lang="en-US" dirty="0"/>
-              <a:t>Dynamic method dispatch and interactions with types</a:t>
+              <a:t>Class hierarchy</a:t>
             </a:r>
           </a:p>
           <a:p>
@@ -8156,27 +8142,7 @@
           <a:p>
             <a:r>
               <a:rPr lang="en-US" dirty="0"/>
-              <a:t>Cross-cutting concepts [2 weeks]</a:t>
-            </a:r>
-          </a:p>
-          <a:p>
-            <a:pPr lvl="1"/>
-            <a:r>
-              <a:rPr lang="en-US" dirty="0"/>
-              <a:t>Unit testing and Integration testing</a:t>
-            </a:r>
-          </a:p>
-          <a:p>
-            <a:pPr lvl="1"/>
-            <a:r>
-              <a:rPr lang="en-US" dirty="0"/>
-              <a:t>Multi-paradigm programming</a:t>
-            </a:r>
-          </a:p>
-          <a:p>
-            <a:r>
-              <a:rPr lang="en-US" dirty="0"/>
-              <a:t>Event-driven and reactive programming [3 weeks]</a:t>
+              <a:t>Event-driven and reactive programming</a:t>
             </a:r>
           </a:p>
           <a:p>

--- a/CSE216-S19/slides/PPT/CSE216_Lec0.pptx
+++ b/CSE216-S19/slides/PPT/CSE216_Lec0.pptx
@@ -226,7 +226,7 @@
           <a:p>
             <a:fld id="{672A025E-C960-4AB6-8E8E-0EE6D13ED4ED}" type="datetimeFigureOut">
               <a:rPr lang="en-US" smtClean="0"/>
-              <a:t>2/24/2019</a:t>
+              <a:t>2/26/2019</a:t>
             </a:fld>
             <a:endParaRPr lang="en-US"/>
           </a:p>
@@ -719,7 +719,7 @@
           <a:p>
             <a:fld id="{C9450245-6F3E-4E49-A01A-33C72AF40E97}" type="datetime1">
               <a:rPr lang="en-US" smtClean="0"/>
-              <a:t>2/24/2019</a:t>
+              <a:t>2/26/2019</a:t>
             </a:fld>
             <a:endParaRPr lang="en-US" dirty="0"/>
           </a:p>
@@ -938,7 +938,7 @@
           <a:p>
             <a:fld id="{9D941E2E-9E30-4203-ABFC-10F381BF2A12}" type="datetime1">
               <a:rPr lang="en-US" smtClean="0"/>
-              <a:t>2/24/2019</a:t>
+              <a:t>2/26/2019</a:t>
             </a:fld>
             <a:endParaRPr lang="en-US"/>
           </a:p>
@@ -1206,7 +1206,7 @@
           <a:p>
             <a:fld id="{9D941E2E-9E30-4203-ABFC-10F381BF2A12}" type="datetime1">
               <a:rPr lang="en-US" smtClean="0"/>
-              <a:t>2/24/2019</a:t>
+              <a:t>2/26/2019</a:t>
             </a:fld>
             <a:endParaRPr lang="en-US"/>
           </a:p>
@@ -1388,7 +1388,7 @@
           <a:p>
             <a:fld id="{9D941E2E-9E30-4203-ABFC-10F381BF2A12}" type="datetime1">
               <a:rPr lang="en-US" smtClean="0"/>
-              <a:t>2/24/2019</a:t>
+              <a:t>2/26/2019</a:t>
             </a:fld>
             <a:endParaRPr lang="en-US"/>
           </a:p>
@@ -1743,7 +1743,7 @@
           <a:p>
             <a:fld id="{51173CD0-6D6C-4FEA-9A98-7F5E7DAD237A}" type="datetime1">
               <a:rPr lang="en-US" smtClean="0"/>
-              <a:t>2/24/2019</a:t>
+              <a:t>2/26/2019</a:t>
             </a:fld>
             <a:endParaRPr lang="en-US"/>
           </a:p>
@@ -2029,7 +2029,7 @@
           <a:p>
             <a:fld id="{9D941E2E-9E30-4203-ABFC-10F381BF2A12}" type="datetime1">
               <a:rPr lang="en-US" smtClean="0"/>
-              <a:t>2/24/2019</a:t>
+              <a:t>2/26/2019</a:t>
             </a:fld>
             <a:endParaRPr lang="en-US"/>
           </a:p>
@@ -2420,7 +2420,7 @@
           <a:p>
             <a:fld id="{9D941E2E-9E30-4203-ABFC-10F381BF2A12}" type="datetime1">
               <a:rPr lang="en-US" smtClean="0"/>
-              <a:t>2/24/2019</a:t>
+              <a:t>2/26/2019</a:t>
             </a:fld>
             <a:endParaRPr lang="en-US"/>
           </a:p>
@@ -2550,7 +2550,7 @@
           <a:p>
             <a:fld id="{4C94B876-920C-40A7-A429-70EA2E711116}" type="datetime1">
               <a:rPr lang="en-US" smtClean="0"/>
-              <a:t>2/24/2019</a:t>
+              <a:t>2/26/2019</a:t>
             </a:fld>
             <a:endParaRPr lang="en-US"/>
           </a:p>
@@ -2732,7 +2732,7 @@
           <a:p>
             <a:fld id="{687BB759-A4D2-4F8B-AEBE-C918CFB723A5}" type="datetime1">
               <a:rPr lang="en-US" smtClean="0"/>
-              <a:t>2/24/2019</a:t>
+              <a:t>2/26/2019</a:t>
             </a:fld>
             <a:endParaRPr lang="en-US"/>
           </a:p>
@@ -3097,7 +3097,7 @@
           <a:p>
             <a:fld id="{9D941E2E-9E30-4203-ABFC-10F381BF2A12}" type="datetime1">
               <a:rPr lang="en-US" smtClean="0"/>
-              <a:t>2/24/2019</a:t>
+              <a:t>2/26/2019</a:t>
             </a:fld>
             <a:endParaRPr lang="en-US"/>
           </a:p>
@@ -3491,7 +3491,7 @@
           <a:p>
             <a:fld id="{B7BE5A15-D7AD-40D4-96ED-A55891BF6EC5}" type="datetime1">
               <a:rPr lang="en-US" smtClean="0"/>
-              <a:t>2/24/2019</a:t>
+              <a:t>2/26/2019</a:t>
             </a:fld>
             <a:endParaRPr lang="en-US"/>
           </a:p>
@@ -3789,7 +3789,7 @@
           <a:p>
             <a:fld id="{9D941E2E-9E30-4203-ABFC-10F381BF2A12}" type="datetime1">
               <a:rPr lang="en-US" smtClean="0"/>
-              <a:t>2/24/2019</a:t>
+              <a:t>2/26/2019</a:t>
             </a:fld>
             <a:endParaRPr lang="en-US"/>
           </a:p>
@@ -4520,7 +4520,7 @@
             </a:pPr>
             <a:r>
               <a:rPr lang="en-US" dirty="0"/>
-              <a:t>Over the course of the term you will be required to solve computational problems by writing software in Python</a:t>
+              <a:t>Over the course of the term you will be required to solve computational problems by writing software</a:t>
             </a:r>
           </a:p>
           <a:p>
@@ -6722,7 +6722,7 @@
             </a:pPr>
             <a:r>
               <a:rPr lang="en-US" dirty="0"/>
-              <a:t>                      Recitation: Mon: 12:30-1:50PM</a:t>
+              <a:t>                      Recitation: Mon: 5:00-5:53PM</a:t>
             </a:r>
           </a:p>
           <a:p>
@@ -6943,21 +6943,37 @@
           <a:p>
             <a:r>
               <a:rPr lang="en-US" dirty="0"/>
-              <a:t>Teaching Assistants</a:t>
+              <a:t>Teaching Assistants Undergraduate (tutoring TA): </a:t>
             </a:r>
           </a:p>
           <a:p>
             <a:pPr lvl="1"/>
             <a:r>
               <a:rPr lang="en-US" dirty="0"/>
-              <a:t>Graduate (grading TA):</a:t>
+              <a:t>Ji Won Choi (UG), 010-2468-8279, jiwon.choi.2@stonybrook.edu</a:t>
             </a:r>
           </a:p>
           <a:p>
             <a:pPr lvl="1"/>
             <a:r>
               <a:rPr lang="en-US" dirty="0"/>
-              <a:t>Undergraduate (tutoring TA):</a:t>
+              <a:t>Stephanie (</a:t>
+            </a:r>
+            <a:r>
+              <a:rPr lang="en-US" dirty="0" err="1"/>
+              <a:t>Wenhui</a:t>
+            </a:r>
+            <a:r>
+              <a:rPr lang="en-US" dirty="0"/>
+              <a:t>) </a:t>
+            </a:r>
+            <a:r>
+              <a:rPr lang="en-US" dirty="0" err="1"/>
+              <a:t>Jin</a:t>
+            </a:r>
+            <a:r>
+              <a:rPr lang="en-US" dirty="0"/>
+              <a:t> (UG), 010-9682-9704, wenhui.jin@stonybrook.edu</a:t>
             </a:r>
           </a:p>
         </p:txBody>
